--- a/events/2023-03-15/slides/05-utelecon-and-supporters.pptx
+++ b/events/2023-03-15/slides/05-utelecon-and-supporters.pptx
@@ -170,16 +170,114 @@
 </p:cmAuthorLst>
 </file>
 
-<file path=ppt/revisionInfo.xml><?xml version="1.0" encoding="utf-8"?>
-<p1510:revInfo xmlns:a="http://schemas.openxmlformats.org/drawingml/2006/main" xmlns:r="http://schemas.openxmlformats.org/officeDocument/2006/relationships" xmlns:p1510="http://schemas.microsoft.com/office/powerpoint/2015/10/main">
-  <p1510:revLst>
-    <p1510:client id="{AB3F6F71-D3B1-C848-A076-CB25A68FA58A}" v="22" dt="2023-03-08T02:02:53.461"/>
-  </p1510:revLst>
-</p1510:revInfo>
-</file>
-
 <file path=ppt/changesInfos/changesInfo1.xml><?xml version="1.0" encoding="utf-8"?>
 <pc:chgInfo xmlns:a="http://schemas.openxmlformats.org/drawingml/2006/main" xmlns:r="http://schemas.openxmlformats.org/officeDocument/2006/relationships" xmlns:ac="http://schemas.microsoft.com/office/drawing/2013/main/command" xmlns:pc="http://schemas.microsoft.com/office/powerpoint/2013/main/command">
+  <pc:docChgLst>
+    <pc:chgData name="鈴木　亘" userId="0c5a9354-afc0-4bd2-8c92-689493350a06" providerId="ADAL" clId="{1D9BAF54-91F5-FB44-B333-3ACF54CF57A9}"/>
+    <pc:docChg chg="undo custSel modSld">
+      <pc:chgData name="鈴木　亘" userId="0c5a9354-afc0-4bd2-8c92-689493350a06" providerId="ADAL" clId="{1D9BAF54-91F5-FB44-B333-3ACF54CF57A9}" dt="2023-03-10T11:51:36.821" v="66" actId="20577"/>
+      <pc:docMkLst>
+        <pc:docMk/>
+      </pc:docMkLst>
+      <pc:sldChg chg="modNotesTx">
+        <pc:chgData name="鈴木　亘" userId="0c5a9354-afc0-4bd2-8c92-689493350a06" providerId="ADAL" clId="{1D9BAF54-91F5-FB44-B333-3ACF54CF57A9}" dt="2023-03-10T09:06:57.554" v="9" actId="20577"/>
+        <pc:sldMkLst>
+          <pc:docMk/>
+          <pc:sldMk cId="97731250" sldId="367"/>
+        </pc:sldMkLst>
+      </pc:sldChg>
+      <pc:sldChg chg="modSp mod">
+        <pc:chgData name="鈴木　亘" userId="0c5a9354-afc0-4bd2-8c92-689493350a06" providerId="ADAL" clId="{1D9BAF54-91F5-FB44-B333-3ACF54CF57A9}" dt="2023-03-10T09:12:12.147" v="37" actId="20577"/>
+        <pc:sldMkLst>
+          <pc:docMk/>
+          <pc:sldMk cId="1230961776" sldId="371"/>
+        </pc:sldMkLst>
+        <pc:spChg chg="mod">
+          <ac:chgData name="鈴木　亘" userId="0c5a9354-afc0-4bd2-8c92-689493350a06" providerId="ADAL" clId="{1D9BAF54-91F5-FB44-B333-3ACF54CF57A9}" dt="2023-03-10T09:12:12.147" v="37" actId="20577"/>
+          <ac:spMkLst>
+            <pc:docMk/>
+            <pc:sldMk cId="1230961776" sldId="371"/>
+            <ac:spMk id="3" creationId="{00000000-0000-0000-0000-000000000000}"/>
+          </ac:spMkLst>
+        </pc:spChg>
+      </pc:sldChg>
+      <pc:sldChg chg="modSp mod modNotesTx">
+        <pc:chgData name="鈴木　亘" userId="0c5a9354-afc0-4bd2-8c92-689493350a06" providerId="ADAL" clId="{1D9BAF54-91F5-FB44-B333-3ACF54CF57A9}" dt="2023-03-10T11:51:14.915" v="61" actId="20577"/>
+        <pc:sldMkLst>
+          <pc:docMk/>
+          <pc:sldMk cId="3488056291" sldId="373"/>
+        </pc:sldMkLst>
+        <pc:spChg chg="mod">
+          <ac:chgData name="鈴木　亘" userId="0c5a9354-afc0-4bd2-8c92-689493350a06" providerId="ADAL" clId="{1D9BAF54-91F5-FB44-B333-3ACF54CF57A9}" dt="2023-03-10T11:51:14.915" v="61" actId="20577"/>
+          <ac:spMkLst>
+            <pc:docMk/>
+            <pc:sldMk cId="3488056291" sldId="373"/>
+            <ac:spMk id="3" creationId="{00000000-0000-0000-0000-000000000000}"/>
+          </ac:spMkLst>
+        </pc:spChg>
+      </pc:sldChg>
+      <pc:sldChg chg="modSp mod">
+        <pc:chgData name="鈴木　亘" userId="0c5a9354-afc0-4bd2-8c92-689493350a06" providerId="ADAL" clId="{1D9BAF54-91F5-FB44-B333-3ACF54CF57A9}" dt="2023-03-10T11:51:09.057" v="59" actId="20577"/>
+        <pc:sldMkLst>
+          <pc:docMk/>
+          <pc:sldMk cId="4273095684" sldId="374"/>
+        </pc:sldMkLst>
+        <pc:spChg chg="mod">
+          <ac:chgData name="鈴木　亘" userId="0c5a9354-afc0-4bd2-8c92-689493350a06" providerId="ADAL" clId="{1D9BAF54-91F5-FB44-B333-3ACF54CF57A9}" dt="2023-03-10T11:51:09.057" v="59" actId="20577"/>
+          <ac:spMkLst>
+            <pc:docMk/>
+            <pc:sldMk cId="4273095684" sldId="374"/>
+            <ac:spMk id="3" creationId="{00000000-0000-0000-0000-000000000000}"/>
+          </ac:spMkLst>
+        </pc:spChg>
+      </pc:sldChg>
+      <pc:sldChg chg="modSp mod modNotesTx">
+        <pc:chgData name="鈴木　亘" userId="0c5a9354-afc0-4bd2-8c92-689493350a06" providerId="ADAL" clId="{1D9BAF54-91F5-FB44-B333-3ACF54CF57A9}" dt="2023-03-10T11:50:36.566" v="53" actId="20577"/>
+        <pc:sldMkLst>
+          <pc:docMk/>
+          <pc:sldMk cId="2548137959" sldId="375"/>
+        </pc:sldMkLst>
+        <pc:spChg chg="mod">
+          <ac:chgData name="鈴木　亘" userId="0c5a9354-afc0-4bd2-8c92-689493350a06" providerId="ADAL" clId="{1D9BAF54-91F5-FB44-B333-3ACF54CF57A9}" dt="2023-03-10T11:50:36.566" v="53" actId="20577"/>
+          <ac:spMkLst>
+            <pc:docMk/>
+            <pc:sldMk cId="2548137959" sldId="375"/>
+            <ac:spMk id="3" creationId="{00000000-0000-0000-0000-000000000000}"/>
+          </ac:spMkLst>
+        </pc:spChg>
+      </pc:sldChg>
+      <pc:sldChg chg="modSp mod">
+        <pc:chgData name="鈴木　亘" userId="0c5a9354-afc0-4bd2-8c92-689493350a06" providerId="ADAL" clId="{1D9BAF54-91F5-FB44-B333-3ACF54CF57A9}" dt="2023-03-10T09:12:58.866" v="45" actId="20577"/>
+        <pc:sldMkLst>
+          <pc:docMk/>
+          <pc:sldMk cId="1252856613" sldId="381"/>
+        </pc:sldMkLst>
+        <pc:spChg chg="mod">
+          <ac:chgData name="鈴木　亘" userId="0c5a9354-afc0-4bd2-8c92-689493350a06" providerId="ADAL" clId="{1D9BAF54-91F5-FB44-B333-3ACF54CF57A9}" dt="2023-03-10T09:12:58.866" v="45" actId="20577"/>
+          <ac:spMkLst>
+            <pc:docMk/>
+            <pc:sldMk cId="1252856613" sldId="381"/>
+            <ac:spMk id="3" creationId="{00000000-0000-0000-0000-000000000000}"/>
+          </ac:spMkLst>
+        </pc:spChg>
+      </pc:sldChg>
+      <pc:sldChg chg="modSp mod modNotesTx">
+        <pc:chgData name="鈴木　亘" userId="0c5a9354-afc0-4bd2-8c92-689493350a06" providerId="ADAL" clId="{1D9BAF54-91F5-FB44-B333-3ACF54CF57A9}" dt="2023-03-10T11:51:36.821" v="66" actId="20577"/>
+        <pc:sldMkLst>
+          <pc:docMk/>
+          <pc:sldMk cId="1544683493" sldId="383"/>
+        </pc:sldMkLst>
+        <pc:spChg chg="mod">
+          <ac:chgData name="鈴木　亘" userId="0c5a9354-afc0-4bd2-8c92-689493350a06" providerId="ADAL" clId="{1D9BAF54-91F5-FB44-B333-3ACF54CF57A9}" dt="2023-03-10T11:51:36.821" v="66" actId="20577"/>
+          <ac:spMkLst>
+            <pc:docMk/>
+            <pc:sldMk cId="1544683493" sldId="383"/>
+            <ac:spMk id="3" creationId="{00000000-0000-0000-0000-000000000000}"/>
+          </ac:spMkLst>
+        </pc:spChg>
+      </pc:sldChg>
+    </pc:docChg>
+  </pc:docChgLst>
   <pc:docChgLst>
     <pc:chgData name="鈴木　亘" userId="0c5a9354-afc0-4bd2-8c92-689493350a06" providerId="ADAL" clId="{AB3F6F71-D3B1-C848-A076-CB25A68FA58A}"/>
     <pc:docChg chg="undo custSel delSld modSld">
@@ -876,7 +974,7 @@
             <a:fld id="{35305EB0-020F-4995-961E-A35B2BB78D2B}" type="datetimeFigureOut">
               <a:rPr kumimoji="1" lang="ja-JP" altLang="en-US" smtClean="0"/>
               <a:pPr/>
-              <a:t>2023/3/8</a:t>
+              <a:t>2023/3/10</a:t>
             </a:fld>
             <a:endParaRPr kumimoji="1" lang="ja-JP" altLang="en-US"/>
           </a:p>
@@ -1302,10 +1400,7 @@
           <a:bodyPr/>
           <a:lstStyle/>
           <a:p>
-            <a:r>
-              <a:rPr kumimoji="1" lang="ja-JP" altLang="en-US"/>
-              <a:t>とくに質疑応答</a:t>
-            </a:r>
+            <a:endParaRPr kumimoji="1" lang="ja-JP" altLang="en-US"/>
           </a:p>
         </p:txBody>
       </p:sp>
@@ -1390,10 +1485,7 @@
           <a:bodyPr/>
           <a:lstStyle/>
           <a:p>
-            <a:r>
-              <a:rPr kumimoji="1" lang="ja-JP" altLang="en-US"/>
-              <a:t>今回の説明会も各サポーターに協力いただいています</a:t>
-            </a:r>
+            <a:endParaRPr kumimoji="1" lang="ja-JP" altLang="en-US"/>
           </a:p>
         </p:txBody>
       </p:sp>
@@ -1733,14 +1825,6 @@
           <a:bodyPr/>
           <a:lstStyle/>
           <a:p>
-            <a:r>
-              <a:rPr kumimoji="1" lang="en" altLang="ja-JP" dirty="0"/>
-              <a:t>Slack</a:t>
-            </a:r>
-            <a:r>
-              <a:rPr kumimoji="1" lang="ja-JP" altLang="en-US"/>
-              <a:t>の使い方はここをみて！でも整理中かも、要確認</a:t>
-            </a:r>
             <a:endParaRPr kumimoji="1" lang="en" altLang="ja-JP" dirty="0"/>
           </a:p>
         </p:txBody>
@@ -1826,10 +1910,6 @@
           <a:bodyPr/>
           <a:lstStyle/>
           <a:p>
-            <a:r>
-              <a:rPr kumimoji="1" lang="ja-JP" altLang="en-US"/>
-              <a:t>実際に見てみる</a:t>
-            </a:r>
             <a:endParaRPr kumimoji="1" lang="en" altLang="ja-JP" dirty="0"/>
           </a:p>
         </p:txBody>
@@ -54570,31 +54650,7 @@
                 </a:solidFill>
                 <a:hlinkClick r:id="rId6"/>
               </a:rPr>
-              <a:t>https://</a:t>
-            </a:r>
-            <a:r>
-              <a:rPr lang="en" altLang="ja-JP" sz="1400" dirty="0" err="1">
-                <a:solidFill>
-                  <a:schemeClr val="tx1">
-                    <a:lumMod val="65000"/>
-                    <a:lumOff val="35000"/>
-                  </a:schemeClr>
-                </a:solidFill>
-                <a:hlinkClick r:id="rId6"/>
-              </a:rPr>
-              <a:t>utelecon.adm.u-tokyo.ac.jp</a:t>
-            </a:r>
-            <a:r>
-              <a:rPr lang="en" altLang="ja-JP" sz="1400" dirty="0">
-                <a:solidFill>
-                  <a:schemeClr val="tx1">
-                    <a:lumMod val="65000"/>
-                    <a:lumOff val="35000"/>
-                  </a:schemeClr>
-                </a:solidFill>
-                <a:hlinkClick r:id="rId6"/>
-              </a:rPr>
-              <a:t>/articles/group-discussion/</a:t>
+              <a:t>https://utelecon.adm.u-tokyo.ac.jp/articles/group-discussion/</a:t>
             </a:r>
             <a:r>
               <a:rPr lang="ja-JP" altLang="en-US" sz="1400">
@@ -54607,6 +54663,35 @@
               </a:rPr>
               <a:t>）</a:t>
             </a:r>
+            <a:r>
+              <a:rPr lang="en" altLang="ja-JP" sz="1400" dirty="0">
+                <a:solidFill>
+                  <a:schemeClr val="tx1">
+                    <a:lumMod val="65000"/>
+                    <a:lumOff val="35000"/>
+                  </a:schemeClr>
+                </a:solidFill>
+              </a:rPr>
+              <a:t>←New!</a:t>
+            </a:r>
+            <a:br>
+              <a:rPr lang="en-US" altLang="ja-JP" sz="1400" dirty="0">
+                <a:solidFill>
+                  <a:schemeClr val="tx1">
+                    <a:lumMod val="65000"/>
+                    <a:lumOff val="35000"/>
+                  </a:schemeClr>
+                </a:solidFill>
+              </a:rPr>
+            </a:br>
+            <a:endParaRPr lang="ja-JP" altLang="en-US" sz="1400">
+              <a:solidFill>
+                <a:schemeClr val="tx1">
+                  <a:lumMod val="65000"/>
+                  <a:lumOff val="35000"/>
+                </a:schemeClr>
+              </a:solidFill>
+            </a:endParaRPr>
           </a:p>
           <a:p>
             <a:pPr lvl="2"/>
@@ -54848,6 +54933,17 @@
                 </a:solidFill>
               </a:rPr>
               <a:t>」</a:t>
+            </a:r>
+            <a:r>
+              <a:rPr lang="en" altLang="ja-JP" sz="2400" dirty="0">
+                <a:solidFill>
+                  <a:schemeClr val="tx1">
+                    <a:lumMod val="65000"/>
+                    <a:lumOff val="35000"/>
+                  </a:schemeClr>
+                </a:solidFill>
+              </a:rPr>
+              <a:t>←New!</a:t>
             </a:r>
             <a:endParaRPr lang="en-US" altLang="ja-JP" sz="2200" dirty="0">
               <a:solidFill>
@@ -57407,6 +57503,28 @@
               </a:rPr>
               <a:t>などのページのリニューアル</a:t>
             </a:r>
+            <a:r>
+              <a:rPr lang="en-US" altLang="ja-JP" sz="1800">
+                <a:solidFill>
+                  <a:schemeClr val="tx1">
+                    <a:lumMod val="65000"/>
+                    <a:lumOff val="35000"/>
+                  </a:schemeClr>
+                </a:solidFill>
+              </a:rPr>
+              <a:t> </a:t>
+            </a:r>
+            <a:r>
+              <a:rPr lang="en" altLang="ja-JP" sz="1800">
+                <a:solidFill>
+                  <a:schemeClr val="tx1">
+                    <a:lumMod val="65000"/>
+                    <a:lumOff val="35000"/>
+                  </a:schemeClr>
+                </a:solidFill>
+              </a:rPr>
+              <a:t>←New!</a:t>
+            </a:r>
             <a:br>
               <a:rPr lang="en-US" altLang="ja-JP" sz="1800" dirty="0">
                 <a:solidFill>
@@ -58239,6 +58357,65 @@
                   </a:schemeClr>
                 </a:solidFill>
               </a:rPr>
+              <a:t>モーリス・メルロ＝ポンティ</a:t>
+            </a:r>
+            <a:r>
+              <a:rPr lang="en-US" altLang="ja-JP" sz="1800" dirty="0">
+                <a:solidFill>
+                  <a:schemeClr val="tx1">
+                    <a:lumMod val="65000"/>
+                    <a:lumOff val="35000"/>
+                  </a:schemeClr>
+                </a:solidFill>
+              </a:rPr>
+              <a:t>『</a:t>
+            </a:r>
+            <a:r>
+              <a:rPr lang="ja-JP" altLang="en-US" sz="1800">
+                <a:solidFill>
+                  <a:schemeClr val="tx1">
+                    <a:lumMod val="65000"/>
+                    <a:lumOff val="35000"/>
+                  </a:schemeClr>
+                </a:solidFill>
+              </a:rPr>
+              <a:t>知覚の現象学</a:t>
+            </a:r>
+            <a:r>
+              <a:rPr lang="en-US" altLang="ja-JP" sz="1800" dirty="0">
+                <a:solidFill>
+                  <a:schemeClr val="tx1">
+                    <a:lumMod val="65000"/>
+                    <a:lumOff val="35000"/>
+                  </a:schemeClr>
+                </a:solidFill>
+              </a:rPr>
+              <a:t>』</a:t>
+            </a:r>
+          </a:p>
+          <a:p>
+            <a:pPr marL="0" indent="0" algn="just">
+              <a:buNone/>
+            </a:pPr>
+            <a:br>
+              <a:rPr lang="en-US" altLang="ja-JP" sz="1800" dirty="0">
+                <a:solidFill>
+                  <a:schemeClr val="tx1">
+                    <a:lumMod val="65000"/>
+                    <a:lumOff val="35000"/>
+                  </a:schemeClr>
+                </a:solidFill>
+              </a:rPr>
+            </a:br>
+            <a:r>
+              <a:rPr lang="ja-JP" altLang="en-US" sz="1800">
+                <a:solidFill>
+                  <a:schemeClr val="tx1">
+                    <a:lumMod val="65000"/>
+                    <a:lumOff val="35000"/>
+                  </a:schemeClr>
+                </a:solidFill>
+              </a:rPr>
               <a:t>「杖が親しい道具になってしまうと、その人にとって触覚的対象の世界は遠くから始まるようになり、つまり、手の表皮から始まるのではなく、</a:t>
             </a:r>
             <a:br>
@@ -58339,6 +58516,16 @@
             <a:pPr marL="400050" lvl="1" indent="0" algn="just">
               <a:buNone/>
             </a:pPr>
+            <a:br>
+              <a:rPr lang="en-US" altLang="ja-JP" sz="1600" dirty="0">
+                <a:solidFill>
+                  <a:schemeClr val="tx1">
+                    <a:lumMod val="65000"/>
+                    <a:lumOff val="35000"/>
+                  </a:schemeClr>
+                </a:solidFill>
+              </a:rPr>
+            </a:br>
             <a:r>
               <a:rPr lang="ja-JP" altLang="en-US" sz="1600">
                 <a:solidFill>
@@ -58358,53 +58545,6 @@
                 </a:schemeClr>
               </a:solidFill>
             </a:endParaRPr>
-          </a:p>
-          <a:p>
-            <a:pPr lvl="1" algn="just"/>
-            <a:r>
-              <a:rPr lang="ja-JP" altLang="en-US" sz="1600">
-                <a:solidFill>
-                  <a:schemeClr val="tx1">
-                    <a:lumMod val="65000"/>
-                    <a:lumOff val="35000"/>
-                  </a:schemeClr>
-                </a:solidFill>
-              </a:rPr>
-              <a:t>モーリス・メルロ＝ポンティ</a:t>
-            </a:r>
-            <a:r>
-              <a:rPr lang="en-US" altLang="ja-JP" sz="1600" dirty="0">
-                <a:solidFill>
-                  <a:schemeClr val="tx1">
-                    <a:lumMod val="65000"/>
-                    <a:lumOff val="35000"/>
-                  </a:schemeClr>
-                </a:solidFill>
-              </a:rPr>
-              <a:t>『</a:t>
-            </a:r>
-            <a:r>
-              <a:rPr lang="ja-JP" altLang="en-US" sz="1600">
-                <a:solidFill>
-                  <a:schemeClr val="tx1">
-                    <a:lumMod val="65000"/>
-                    <a:lumOff val="35000"/>
-                  </a:schemeClr>
-                </a:solidFill>
-              </a:rPr>
-              <a:t>知覚の現象学</a:t>
-            </a:r>
-            <a:r>
-              <a:rPr lang="en-US" altLang="ja-JP" sz="1600" dirty="0">
-                <a:solidFill>
-                  <a:schemeClr val="tx1">
-                    <a:lumMod val="65000"/>
-                    <a:lumOff val="35000"/>
-                  </a:schemeClr>
-                </a:solidFill>
-              </a:rPr>
-              <a:t>』</a:t>
-            </a:r>
           </a:p>
           <a:p>
             <a:pPr lvl="1" algn="just"/>
@@ -60807,7 +60947,7 @@
                   </a:schemeClr>
                 </a:solidFill>
               </a:rPr>
-              <a:t>オンライン／ハイブリッド授業に慣れてきた</a:t>
+              <a:t>オンラインやハイブリッドの授業・会議に慣れてきた</a:t>
             </a:r>
             <a:endParaRPr lang="en-US" altLang="ja-JP" sz="2000" dirty="0">
               <a:solidFill>
@@ -61821,6 +61961,17 @@
               </a:rPr>
               <a:t>を活用する</a:t>
             </a:r>
+            <a:r>
+              <a:rPr lang="en" altLang="ja-JP" sz="1800" dirty="0">
+                <a:solidFill>
+                  <a:schemeClr val="tx1">
+                    <a:lumMod val="65000"/>
+                    <a:lumOff val="35000"/>
+                  </a:schemeClr>
+                </a:solidFill>
+              </a:rPr>
+              <a:t>←New!</a:t>
+            </a:r>
             <a:br>
               <a:rPr lang="en-US" altLang="ja-JP" sz="1800" dirty="0">
                 <a:solidFill>
